--- a/ppt 16-9/1365.耶和华向我们所.pptx
+++ b/ppt 16-9/1365.耶和华向我们所.pptx
@@ -5,7 +5,7 @@
     <p:sldMasterId id="2147483648" r:id="rId1"/>
   </p:sldMasterIdLst>
   <p:sldIdLst>
-    <p:sldId id="931" r:id="rId2"/>
+    <p:sldId id="932" r:id="rId2"/>
   </p:sldIdLst>
   <p:sldSz cx="12192000" cy="6858000"/>
   <p:notesSz cx="6858000" cy="9144000"/>
@@ -129,7 +129,7 @@
           <p:cNvPr id="2" name="标题 1">
             <a:extLst>
               <a:ext uri="{FF2B5EF4-FFF2-40B4-BE49-F238E27FC236}">
-                <a16:creationId xmlns:a16="http://schemas.microsoft.com/office/drawing/2014/main" id="{27E964C7-F071-3BBE-92EE-EE73B96692CB}"/>
+                <a16:creationId xmlns:a16="http://schemas.microsoft.com/office/drawing/2014/main" id="{56F78927-464B-B5A5-F516-750069408253}"/>
               </a:ext>
             </a:extLst>
           </p:cNvPr>
@@ -166,7 +166,7 @@
           <p:cNvPr id="3" name="副标题 2">
             <a:extLst>
               <a:ext uri="{FF2B5EF4-FFF2-40B4-BE49-F238E27FC236}">
-                <a16:creationId xmlns:a16="http://schemas.microsoft.com/office/drawing/2014/main" id="{48A62BEF-335D-10EF-B090-9E090B9DCA05}"/>
+                <a16:creationId xmlns:a16="http://schemas.microsoft.com/office/drawing/2014/main" id="{64A194C5-C17D-137E-584D-12C7044913A8}"/>
               </a:ext>
             </a:extLst>
           </p:cNvPr>
@@ -236,7 +236,7 @@
           <p:cNvPr id="4" name="日期占位符 3">
             <a:extLst>
               <a:ext uri="{FF2B5EF4-FFF2-40B4-BE49-F238E27FC236}">
-                <a16:creationId xmlns:a16="http://schemas.microsoft.com/office/drawing/2014/main" id="{5ACECC81-363E-A50C-31F3-4AD6D46FD656}"/>
+                <a16:creationId xmlns:a16="http://schemas.microsoft.com/office/drawing/2014/main" id="{9E52D140-6758-3F19-0D6F-228EC30B9E96}"/>
               </a:ext>
             </a:extLst>
           </p:cNvPr>
@@ -252,7 +252,7 @@
           <a:bodyPr/>
           <a:lstStyle/>
           <a:p>
-            <a:fld id="{0C526DD3-9CDB-4EBD-A201-80D56E14C73F}" type="datetimeFigureOut">
+            <a:fld id="{EFB934AC-36EA-4437-A03E-8177146973C7}" type="datetimeFigureOut">
               <a:rPr lang="zh-CN" altLang="en-US" smtClean="0"/>
               <a:t>2024/3/10</a:t>
             </a:fld>
@@ -265,7 +265,7 @@
           <p:cNvPr id="5" name="页脚占位符 4">
             <a:extLst>
               <a:ext uri="{FF2B5EF4-FFF2-40B4-BE49-F238E27FC236}">
-                <a16:creationId xmlns:a16="http://schemas.microsoft.com/office/drawing/2014/main" id="{5F72504D-F907-6989-09CF-F7717EF65B3C}"/>
+                <a16:creationId xmlns:a16="http://schemas.microsoft.com/office/drawing/2014/main" id="{0EE8E30A-23D1-D13E-A608-7897F0E28670}"/>
               </a:ext>
             </a:extLst>
           </p:cNvPr>
@@ -290,7 +290,7 @@
           <p:cNvPr id="6" name="灯片编号占位符 5">
             <a:extLst>
               <a:ext uri="{FF2B5EF4-FFF2-40B4-BE49-F238E27FC236}">
-                <a16:creationId xmlns:a16="http://schemas.microsoft.com/office/drawing/2014/main" id="{457F36BE-504D-B3C3-8E06-7C3F588DD7DE}"/>
+                <a16:creationId xmlns:a16="http://schemas.microsoft.com/office/drawing/2014/main" id="{801F2622-3CC3-84BF-3C51-B0222901874B}"/>
               </a:ext>
             </a:extLst>
           </p:cNvPr>
@@ -306,7 +306,7 @@
           <a:bodyPr/>
           <a:lstStyle/>
           <a:p>
-            <a:fld id="{4CB9E10F-5B26-43F3-A78B-4C492FF4744B}" type="slidenum">
+            <a:fld id="{B987D856-11BD-4934-A58F-4403720B9ABD}" type="slidenum">
               <a:rPr lang="zh-CN" altLang="en-US" smtClean="0"/>
               <a:t>‹#›</a:t>
             </a:fld>
@@ -317,7 +317,7 @@
     </p:spTree>
     <p:extLst>
       <p:ext uri="{BB962C8B-B14F-4D97-AF65-F5344CB8AC3E}">
-        <p14:creationId xmlns:p14="http://schemas.microsoft.com/office/powerpoint/2010/main" val="3977356743"/>
+        <p14:creationId xmlns:p14="http://schemas.microsoft.com/office/powerpoint/2010/main" val="4115536051"/>
       </p:ext>
     </p:extLst>
   </p:cSld>
@@ -349,7 +349,7 @@
           <p:cNvPr id="2" name="标题 1">
             <a:extLst>
               <a:ext uri="{FF2B5EF4-FFF2-40B4-BE49-F238E27FC236}">
-                <a16:creationId xmlns:a16="http://schemas.microsoft.com/office/drawing/2014/main" id="{889CA773-2E17-A017-E304-62A55E0EAE8C}"/>
+                <a16:creationId xmlns:a16="http://schemas.microsoft.com/office/drawing/2014/main" id="{1AF83B0B-C0F9-F824-C582-401EB3EFCF5C}"/>
               </a:ext>
             </a:extLst>
           </p:cNvPr>
@@ -377,7 +377,7 @@
           <p:cNvPr id="3" name="竖排文字占位符 2">
             <a:extLst>
               <a:ext uri="{FF2B5EF4-FFF2-40B4-BE49-F238E27FC236}">
-                <a16:creationId xmlns:a16="http://schemas.microsoft.com/office/drawing/2014/main" id="{11EC5DD4-4142-BC4E-81E4-A6E5EAEF9D7F}"/>
+                <a16:creationId xmlns:a16="http://schemas.microsoft.com/office/drawing/2014/main" id="{DA3A1A35-0632-A5A1-246D-D8695B2EE36A}"/>
               </a:ext>
             </a:extLst>
           </p:cNvPr>
@@ -434,7 +434,7 @@
           <p:cNvPr id="4" name="日期占位符 3">
             <a:extLst>
               <a:ext uri="{FF2B5EF4-FFF2-40B4-BE49-F238E27FC236}">
-                <a16:creationId xmlns:a16="http://schemas.microsoft.com/office/drawing/2014/main" id="{0586B1FD-F3F0-3554-48D0-5500B15013D8}"/>
+                <a16:creationId xmlns:a16="http://schemas.microsoft.com/office/drawing/2014/main" id="{0F6F7350-2F80-F99E-83D4-439686E5549C}"/>
               </a:ext>
             </a:extLst>
           </p:cNvPr>
@@ -450,7 +450,7 @@
           <a:bodyPr/>
           <a:lstStyle/>
           <a:p>
-            <a:fld id="{0C526DD3-9CDB-4EBD-A201-80D56E14C73F}" type="datetimeFigureOut">
+            <a:fld id="{EFB934AC-36EA-4437-A03E-8177146973C7}" type="datetimeFigureOut">
               <a:rPr lang="zh-CN" altLang="en-US" smtClean="0"/>
               <a:t>2024/3/10</a:t>
             </a:fld>
@@ -463,7 +463,7 @@
           <p:cNvPr id="5" name="页脚占位符 4">
             <a:extLst>
               <a:ext uri="{FF2B5EF4-FFF2-40B4-BE49-F238E27FC236}">
-                <a16:creationId xmlns:a16="http://schemas.microsoft.com/office/drawing/2014/main" id="{F31F82AF-1E36-AD8B-4A88-DEBD8DF16BDC}"/>
+                <a16:creationId xmlns:a16="http://schemas.microsoft.com/office/drawing/2014/main" id="{1EF00364-CE96-961F-84C1-594D0E52D5A9}"/>
               </a:ext>
             </a:extLst>
           </p:cNvPr>
@@ -488,7 +488,7 @@
           <p:cNvPr id="6" name="灯片编号占位符 5">
             <a:extLst>
               <a:ext uri="{FF2B5EF4-FFF2-40B4-BE49-F238E27FC236}">
-                <a16:creationId xmlns:a16="http://schemas.microsoft.com/office/drawing/2014/main" id="{435F4605-AEBE-1A20-CFD5-B5BC5DE2A373}"/>
+                <a16:creationId xmlns:a16="http://schemas.microsoft.com/office/drawing/2014/main" id="{9B8C40E4-42A4-E3CB-893B-A867F89926BB}"/>
               </a:ext>
             </a:extLst>
           </p:cNvPr>
@@ -504,7 +504,7 @@
           <a:bodyPr/>
           <a:lstStyle/>
           <a:p>
-            <a:fld id="{4CB9E10F-5B26-43F3-A78B-4C492FF4744B}" type="slidenum">
+            <a:fld id="{B987D856-11BD-4934-A58F-4403720B9ABD}" type="slidenum">
               <a:rPr lang="zh-CN" altLang="en-US" smtClean="0"/>
               <a:t>‹#›</a:t>
             </a:fld>
@@ -515,7 +515,7 @@
     </p:spTree>
     <p:extLst>
       <p:ext uri="{BB962C8B-B14F-4D97-AF65-F5344CB8AC3E}">
-        <p14:creationId xmlns:p14="http://schemas.microsoft.com/office/powerpoint/2010/main" val="3308393996"/>
+        <p14:creationId xmlns:p14="http://schemas.microsoft.com/office/powerpoint/2010/main" val="2627810345"/>
       </p:ext>
     </p:extLst>
   </p:cSld>
@@ -547,7 +547,7 @@
           <p:cNvPr id="2" name="竖排标题 1">
             <a:extLst>
               <a:ext uri="{FF2B5EF4-FFF2-40B4-BE49-F238E27FC236}">
-                <a16:creationId xmlns:a16="http://schemas.microsoft.com/office/drawing/2014/main" id="{75059C50-F88C-9106-C7D3-B061E5396E1A}"/>
+                <a16:creationId xmlns:a16="http://schemas.microsoft.com/office/drawing/2014/main" id="{FCD30C34-DBDE-2E5E-99C2-7C0842A66F3D}"/>
               </a:ext>
             </a:extLst>
           </p:cNvPr>
@@ -580,7 +580,7 @@
           <p:cNvPr id="3" name="竖排文字占位符 2">
             <a:extLst>
               <a:ext uri="{FF2B5EF4-FFF2-40B4-BE49-F238E27FC236}">
-                <a16:creationId xmlns:a16="http://schemas.microsoft.com/office/drawing/2014/main" id="{C06A7011-BA60-6777-132B-7B010F4DC5E6}"/>
+                <a16:creationId xmlns:a16="http://schemas.microsoft.com/office/drawing/2014/main" id="{C1D894DB-D540-456C-4BE2-9E311BD2EB94}"/>
               </a:ext>
             </a:extLst>
           </p:cNvPr>
@@ -642,7 +642,7 @@
           <p:cNvPr id="4" name="日期占位符 3">
             <a:extLst>
               <a:ext uri="{FF2B5EF4-FFF2-40B4-BE49-F238E27FC236}">
-                <a16:creationId xmlns:a16="http://schemas.microsoft.com/office/drawing/2014/main" id="{174E2A62-24F4-9F4D-2A4D-BE4359844B43}"/>
+                <a16:creationId xmlns:a16="http://schemas.microsoft.com/office/drawing/2014/main" id="{C55ED418-6213-297F-124C-432C6BA92BD6}"/>
               </a:ext>
             </a:extLst>
           </p:cNvPr>
@@ -658,7 +658,7 @@
           <a:bodyPr/>
           <a:lstStyle/>
           <a:p>
-            <a:fld id="{0C526DD3-9CDB-4EBD-A201-80D56E14C73F}" type="datetimeFigureOut">
+            <a:fld id="{EFB934AC-36EA-4437-A03E-8177146973C7}" type="datetimeFigureOut">
               <a:rPr lang="zh-CN" altLang="en-US" smtClean="0"/>
               <a:t>2024/3/10</a:t>
             </a:fld>
@@ -671,7 +671,7 @@
           <p:cNvPr id="5" name="页脚占位符 4">
             <a:extLst>
               <a:ext uri="{FF2B5EF4-FFF2-40B4-BE49-F238E27FC236}">
-                <a16:creationId xmlns:a16="http://schemas.microsoft.com/office/drawing/2014/main" id="{12A8C8BD-718B-3CF6-9EF0-66961611C8E7}"/>
+                <a16:creationId xmlns:a16="http://schemas.microsoft.com/office/drawing/2014/main" id="{F7ADF7D9-A05E-AF29-7CDE-2786DC97A70E}"/>
               </a:ext>
             </a:extLst>
           </p:cNvPr>
@@ -696,7 +696,7 @@
           <p:cNvPr id="6" name="灯片编号占位符 5">
             <a:extLst>
               <a:ext uri="{FF2B5EF4-FFF2-40B4-BE49-F238E27FC236}">
-                <a16:creationId xmlns:a16="http://schemas.microsoft.com/office/drawing/2014/main" id="{287043AB-990E-64A9-1CDE-BB7635DA41BC}"/>
+                <a16:creationId xmlns:a16="http://schemas.microsoft.com/office/drawing/2014/main" id="{E534FCF1-F019-F709-17BF-70D4C53E4649}"/>
               </a:ext>
             </a:extLst>
           </p:cNvPr>
@@ -712,7 +712,7 @@
           <a:bodyPr/>
           <a:lstStyle/>
           <a:p>
-            <a:fld id="{4CB9E10F-5B26-43F3-A78B-4C492FF4744B}" type="slidenum">
+            <a:fld id="{B987D856-11BD-4934-A58F-4403720B9ABD}" type="slidenum">
               <a:rPr lang="zh-CN" altLang="en-US" smtClean="0"/>
               <a:t>‹#›</a:t>
             </a:fld>
@@ -723,7 +723,7 @@
     </p:spTree>
     <p:extLst>
       <p:ext uri="{BB962C8B-B14F-4D97-AF65-F5344CB8AC3E}">
-        <p14:creationId xmlns:p14="http://schemas.microsoft.com/office/powerpoint/2010/main" val="1434342258"/>
+        <p14:creationId xmlns:p14="http://schemas.microsoft.com/office/powerpoint/2010/main" val="1053904886"/>
       </p:ext>
     </p:extLst>
   </p:cSld>
@@ -755,7 +755,7 @@
           <p:cNvPr id="2" name="标题 1">
             <a:extLst>
               <a:ext uri="{FF2B5EF4-FFF2-40B4-BE49-F238E27FC236}">
-                <a16:creationId xmlns:a16="http://schemas.microsoft.com/office/drawing/2014/main" id="{CA910A81-6E3B-859E-2778-956A34AE965F}"/>
+                <a16:creationId xmlns:a16="http://schemas.microsoft.com/office/drawing/2014/main" id="{3EC3D2E3-D0A2-C59A-9444-4813452B6CCA}"/>
               </a:ext>
             </a:extLst>
           </p:cNvPr>
@@ -783,7 +783,7 @@
           <p:cNvPr id="3" name="内容占位符 2">
             <a:extLst>
               <a:ext uri="{FF2B5EF4-FFF2-40B4-BE49-F238E27FC236}">
-                <a16:creationId xmlns:a16="http://schemas.microsoft.com/office/drawing/2014/main" id="{EA5127F6-036F-668C-1782-8FF0ADB7280D}"/>
+                <a16:creationId xmlns:a16="http://schemas.microsoft.com/office/drawing/2014/main" id="{81ECB633-DE67-8A23-AF6A-BC8BFB0CCB85}"/>
               </a:ext>
             </a:extLst>
           </p:cNvPr>
@@ -840,7 +840,7 @@
           <p:cNvPr id="4" name="日期占位符 3">
             <a:extLst>
               <a:ext uri="{FF2B5EF4-FFF2-40B4-BE49-F238E27FC236}">
-                <a16:creationId xmlns:a16="http://schemas.microsoft.com/office/drawing/2014/main" id="{16669DEB-A493-E728-1878-1CC6A8FCFE5E}"/>
+                <a16:creationId xmlns:a16="http://schemas.microsoft.com/office/drawing/2014/main" id="{9986E9C9-87C6-CCCA-6A22-D31247769B73}"/>
               </a:ext>
             </a:extLst>
           </p:cNvPr>
@@ -856,7 +856,7 @@
           <a:bodyPr/>
           <a:lstStyle/>
           <a:p>
-            <a:fld id="{0C526DD3-9CDB-4EBD-A201-80D56E14C73F}" type="datetimeFigureOut">
+            <a:fld id="{EFB934AC-36EA-4437-A03E-8177146973C7}" type="datetimeFigureOut">
               <a:rPr lang="zh-CN" altLang="en-US" smtClean="0"/>
               <a:t>2024/3/10</a:t>
             </a:fld>
@@ -869,7 +869,7 @@
           <p:cNvPr id="5" name="页脚占位符 4">
             <a:extLst>
               <a:ext uri="{FF2B5EF4-FFF2-40B4-BE49-F238E27FC236}">
-                <a16:creationId xmlns:a16="http://schemas.microsoft.com/office/drawing/2014/main" id="{54A0E68C-FD5B-2FC0-761D-D233F1B2D527}"/>
+                <a16:creationId xmlns:a16="http://schemas.microsoft.com/office/drawing/2014/main" id="{21D7CBBB-6BFC-5C79-3954-DC391E21F737}"/>
               </a:ext>
             </a:extLst>
           </p:cNvPr>
@@ -894,7 +894,7 @@
           <p:cNvPr id="6" name="灯片编号占位符 5">
             <a:extLst>
               <a:ext uri="{FF2B5EF4-FFF2-40B4-BE49-F238E27FC236}">
-                <a16:creationId xmlns:a16="http://schemas.microsoft.com/office/drawing/2014/main" id="{C54B212C-044A-B8A0-D74A-25697AFFB717}"/>
+                <a16:creationId xmlns:a16="http://schemas.microsoft.com/office/drawing/2014/main" id="{A7330E28-3D19-7356-0A17-63C98CA70BA7}"/>
               </a:ext>
             </a:extLst>
           </p:cNvPr>
@@ -910,7 +910,7 @@
           <a:bodyPr/>
           <a:lstStyle/>
           <a:p>
-            <a:fld id="{4CB9E10F-5B26-43F3-A78B-4C492FF4744B}" type="slidenum">
+            <a:fld id="{B987D856-11BD-4934-A58F-4403720B9ABD}" type="slidenum">
               <a:rPr lang="zh-CN" altLang="en-US" smtClean="0"/>
               <a:t>‹#›</a:t>
             </a:fld>
@@ -921,7 +921,7 @@
     </p:spTree>
     <p:extLst>
       <p:ext uri="{BB962C8B-B14F-4D97-AF65-F5344CB8AC3E}">
-        <p14:creationId xmlns:p14="http://schemas.microsoft.com/office/powerpoint/2010/main" val="2683062789"/>
+        <p14:creationId xmlns:p14="http://schemas.microsoft.com/office/powerpoint/2010/main" val="1480774828"/>
       </p:ext>
     </p:extLst>
   </p:cSld>
@@ -953,7 +953,7 @@
           <p:cNvPr id="2" name="标题 1">
             <a:extLst>
               <a:ext uri="{FF2B5EF4-FFF2-40B4-BE49-F238E27FC236}">
-                <a16:creationId xmlns:a16="http://schemas.microsoft.com/office/drawing/2014/main" id="{95F50A82-5E57-E8E0-9B4C-3449C69CC616}"/>
+                <a16:creationId xmlns:a16="http://schemas.microsoft.com/office/drawing/2014/main" id="{16966D7E-C20E-E9F2-CEE5-43897116CF01}"/>
               </a:ext>
             </a:extLst>
           </p:cNvPr>
@@ -990,7 +990,7 @@
           <p:cNvPr id="3" name="文本占位符 2">
             <a:extLst>
               <a:ext uri="{FF2B5EF4-FFF2-40B4-BE49-F238E27FC236}">
-                <a16:creationId xmlns:a16="http://schemas.microsoft.com/office/drawing/2014/main" id="{8831B24D-4DDF-48C5-E847-894D5B13AF69}"/>
+                <a16:creationId xmlns:a16="http://schemas.microsoft.com/office/drawing/2014/main" id="{6D6DB3B1-2A80-C11A-344E-58BAB83F1CDF}"/>
               </a:ext>
             </a:extLst>
           </p:cNvPr>
@@ -1115,7 +1115,7 @@
           <p:cNvPr id="4" name="日期占位符 3">
             <a:extLst>
               <a:ext uri="{FF2B5EF4-FFF2-40B4-BE49-F238E27FC236}">
-                <a16:creationId xmlns:a16="http://schemas.microsoft.com/office/drawing/2014/main" id="{ED21759C-D1A9-F29E-2862-E1A2E1F9AA0A}"/>
+                <a16:creationId xmlns:a16="http://schemas.microsoft.com/office/drawing/2014/main" id="{DA009AB3-79DD-FEB5-2FF1-23A8C16C499C}"/>
               </a:ext>
             </a:extLst>
           </p:cNvPr>
@@ -1131,7 +1131,7 @@
           <a:bodyPr/>
           <a:lstStyle/>
           <a:p>
-            <a:fld id="{0C526DD3-9CDB-4EBD-A201-80D56E14C73F}" type="datetimeFigureOut">
+            <a:fld id="{EFB934AC-36EA-4437-A03E-8177146973C7}" type="datetimeFigureOut">
               <a:rPr lang="zh-CN" altLang="en-US" smtClean="0"/>
               <a:t>2024/3/10</a:t>
             </a:fld>
@@ -1144,7 +1144,7 @@
           <p:cNvPr id="5" name="页脚占位符 4">
             <a:extLst>
               <a:ext uri="{FF2B5EF4-FFF2-40B4-BE49-F238E27FC236}">
-                <a16:creationId xmlns:a16="http://schemas.microsoft.com/office/drawing/2014/main" id="{976BCC6E-F8E9-7F4B-97A3-9D39012B268E}"/>
+                <a16:creationId xmlns:a16="http://schemas.microsoft.com/office/drawing/2014/main" id="{4765D8D5-9221-5425-E03F-E661E9208536}"/>
               </a:ext>
             </a:extLst>
           </p:cNvPr>
@@ -1169,7 +1169,7 @@
           <p:cNvPr id="6" name="灯片编号占位符 5">
             <a:extLst>
               <a:ext uri="{FF2B5EF4-FFF2-40B4-BE49-F238E27FC236}">
-                <a16:creationId xmlns:a16="http://schemas.microsoft.com/office/drawing/2014/main" id="{33BDD92A-406E-1CBF-8F89-7818D1FFCF9E}"/>
+                <a16:creationId xmlns:a16="http://schemas.microsoft.com/office/drawing/2014/main" id="{F3D066F9-4EBB-4FC8-1BE6-456B0FC027CB}"/>
               </a:ext>
             </a:extLst>
           </p:cNvPr>
@@ -1185,7 +1185,7 @@
           <a:bodyPr/>
           <a:lstStyle/>
           <a:p>
-            <a:fld id="{4CB9E10F-5B26-43F3-A78B-4C492FF4744B}" type="slidenum">
+            <a:fld id="{B987D856-11BD-4934-A58F-4403720B9ABD}" type="slidenum">
               <a:rPr lang="zh-CN" altLang="en-US" smtClean="0"/>
               <a:t>‹#›</a:t>
             </a:fld>
@@ -1196,7 +1196,7 @@
     </p:spTree>
     <p:extLst>
       <p:ext uri="{BB962C8B-B14F-4D97-AF65-F5344CB8AC3E}">
-        <p14:creationId xmlns:p14="http://schemas.microsoft.com/office/powerpoint/2010/main" val="3237838463"/>
+        <p14:creationId xmlns:p14="http://schemas.microsoft.com/office/powerpoint/2010/main" val="3681515110"/>
       </p:ext>
     </p:extLst>
   </p:cSld>
@@ -1228,7 +1228,7 @@
           <p:cNvPr id="2" name="标题 1">
             <a:extLst>
               <a:ext uri="{FF2B5EF4-FFF2-40B4-BE49-F238E27FC236}">
-                <a16:creationId xmlns:a16="http://schemas.microsoft.com/office/drawing/2014/main" id="{5A4AEFA5-2652-DB40-6033-8B44BEA3B69A}"/>
+                <a16:creationId xmlns:a16="http://schemas.microsoft.com/office/drawing/2014/main" id="{5E83F6BC-B0EC-D1A0-70D7-D09A1431AF9B}"/>
               </a:ext>
             </a:extLst>
           </p:cNvPr>
@@ -1256,7 +1256,7 @@
           <p:cNvPr id="3" name="内容占位符 2">
             <a:extLst>
               <a:ext uri="{FF2B5EF4-FFF2-40B4-BE49-F238E27FC236}">
-                <a16:creationId xmlns:a16="http://schemas.microsoft.com/office/drawing/2014/main" id="{8CD75D55-4C15-DC9F-54BC-9189223AA8F1}"/>
+                <a16:creationId xmlns:a16="http://schemas.microsoft.com/office/drawing/2014/main" id="{2C5AA74D-132F-AC8C-FB7A-B53A8D59AD2F}"/>
               </a:ext>
             </a:extLst>
           </p:cNvPr>
@@ -1318,7 +1318,7 @@
           <p:cNvPr id="4" name="内容占位符 3">
             <a:extLst>
               <a:ext uri="{FF2B5EF4-FFF2-40B4-BE49-F238E27FC236}">
-                <a16:creationId xmlns:a16="http://schemas.microsoft.com/office/drawing/2014/main" id="{B2B9F196-A0DB-05D8-5307-75A36C5402F1}"/>
+                <a16:creationId xmlns:a16="http://schemas.microsoft.com/office/drawing/2014/main" id="{5FF3AEB8-5764-FB25-660B-C9ED0B3BE37D}"/>
               </a:ext>
             </a:extLst>
           </p:cNvPr>
@@ -1380,7 +1380,7 @@
           <p:cNvPr id="5" name="日期占位符 4">
             <a:extLst>
               <a:ext uri="{FF2B5EF4-FFF2-40B4-BE49-F238E27FC236}">
-                <a16:creationId xmlns:a16="http://schemas.microsoft.com/office/drawing/2014/main" id="{8595EDBB-2846-9696-D16B-2090A0B7E248}"/>
+                <a16:creationId xmlns:a16="http://schemas.microsoft.com/office/drawing/2014/main" id="{3F87E1AB-7FEA-6B85-369F-FE310DBE1CFE}"/>
               </a:ext>
             </a:extLst>
           </p:cNvPr>
@@ -1396,7 +1396,7 @@
           <a:bodyPr/>
           <a:lstStyle/>
           <a:p>
-            <a:fld id="{0C526DD3-9CDB-4EBD-A201-80D56E14C73F}" type="datetimeFigureOut">
+            <a:fld id="{EFB934AC-36EA-4437-A03E-8177146973C7}" type="datetimeFigureOut">
               <a:rPr lang="zh-CN" altLang="en-US" smtClean="0"/>
               <a:t>2024/3/10</a:t>
             </a:fld>
@@ -1409,7 +1409,7 @@
           <p:cNvPr id="6" name="页脚占位符 5">
             <a:extLst>
               <a:ext uri="{FF2B5EF4-FFF2-40B4-BE49-F238E27FC236}">
-                <a16:creationId xmlns:a16="http://schemas.microsoft.com/office/drawing/2014/main" id="{7EADD5FB-BFD9-B1BE-76E6-BDD8EE5E3A84}"/>
+                <a16:creationId xmlns:a16="http://schemas.microsoft.com/office/drawing/2014/main" id="{2A58DFE0-134B-B97D-7BD6-B8C0CACA78C7}"/>
               </a:ext>
             </a:extLst>
           </p:cNvPr>
@@ -1434,7 +1434,7 @@
           <p:cNvPr id="7" name="灯片编号占位符 6">
             <a:extLst>
               <a:ext uri="{FF2B5EF4-FFF2-40B4-BE49-F238E27FC236}">
-                <a16:creationId xmlns:a16="http://schemas.microsoft.com/office/drawing/2014/main" id="{A3F714DF-E138-7371-F4F3-D3FA8EC32904}"/>
+                <a16:creationId xmlns:a16="http://schemas.microsoft.com/office/drawing/2014/main" id="{EE0A082D-3359-4D0C-6B94-94196B5A3442}"/>
               </a:ext>
             </a:extLst>
           </p:cNvPr>
@@ -1450,7 +1450,7 @@
           <a:bodyPr/>
           <a:lstStyle/>
           <a:p>
-            <a:fld id="{4CB9E10F-5B26-43F3-A78B-4C492FF4744B}" type="slidenum">
+            <a:fld id="{B987D856-11BD-4934-A58F-4403720B9ABD}" type="slidenum">
               <a:rPr lang="zh-CN" altLang="en-US" smtClean="0"/>
               <a:t>‹#›</a:t>
             </a:fld>
@@ -1461,7 +1461,7 @@
     </p:spTree>
     <p:extLst>
       <p:ext uri="{BB962C8B-B14F-4D97-AF65-F5344CB8AC3E}">
-        <p14:creationId xmlns:p14="http://schemas.microsoft.com/office/powerpoint/2010/main" val="1420393999"/>
+        <p14:creationId xmlns:p14="http://schemas.microsoft.com/office/powerpoint/2010/main" val="3502793012"/>
       </p:ext>
     </p:extLst>
   </p:cSld>
@@ -1493,7 +1493,7 @@
           <p:cNvPr id="2" name="标题 1">
             <a:extLst>
               <a:ext uri="{FF2B5EF4-FFF2-40B4-BE49-F238E27FC236}">
-                <a16:creationId xmlns:a16="http://schemas.microsoft.com/office/drawing/2014/main" id="{2A95C7EF-C5D8-5556-03C5-7EC6162193CB}"/>
+                <a16:creationId xmlns:a16="http://schemas.microsoft.com/office/drawing/2014/main" id="{E0B0EBCB-E6FD-F7C0-5663-70CE96FA8FFA}"/>
               </a:ext>
             </a:extLst>
           </p:cNvPr>
@@ -1526,7 +1526,7 @@
           <p:cNvPr id="3" name="文本占位符 2">
             <a:extLst>
               <a:ext uri="{FF2B5EF4-FFF2-40B4-BE49-F238E27FC236}">
-                <a16:creationId xmlns:a16="http://schemas.microsoft.com/office/drawing/2014/main" id="{DBB2D2B2-2D5B-BF67-F566-5FBC7448E5FE}"/>
+                <a16:creationId xmlns:a16="http://schemas.microsoft.com/office/drawing/2014/main" id="{03A2861D-2EA0-96EF-401A-B9B929B48743}"/>
               </a:ext>
             </a:extLst>
           </p:cNvPr>
@@ -1597,7 +1597,7 @@
           <p:cNvPr id="4" name="内容占位符 3">
             <a:extLst>
               <a:ext uri="{FF2B5EF4-FFF2-40B4-BE49-F238E27FC236}">
-                <a16:creationId xmlns:a16="http://schemas.microsoft.com/office/drawing/2014/main" id="{3E01EFD9-7FE2-299A-9923-65DF635653A0}"/>
+                <a16:creationId xmlns:a16="http://schemas.microsoft.com/office/drawing/2014/main" id="{A3DDAB8B-B63A-93FF-D8A0-A915FF25E252}"/>
               </a:ext>
             </a:extLst>
           </p:cNvPr>
@@ -1659,7 +1659,7 @@
           <p:cNvPr id="5" name="文本占位符 4">
             <a:extLst>
               <a:ext uri="{FF2B5EF4-FFF2-40B4-BE49-F238E27FC236}">
-                <a16:creationId xmlns:a16="http://schemas.microsoft.com/office/drawing/2014/main" id="{7B5C2BD7-AED2-9291-9481-CA910608754B}"/>
+                <a16:creationId xmlns:a16="http://schemas.microsoft.com/office/drawing/2014/main" id="{57796315-385C-F8F6-D756-5D22DFABAF85}"/>
               </a:ext>
             </a:extLst>
           </p:cNvPr>
@@ -1730,7 +1730,7 @@
           <p:cNvPr id="6" name="内容占位符 5">
             <a:extLst>
               <a:ext uri="{FF2B5EF4-FFF2-40B4-BE49-F238E27FC236}">
-                <a16:creationId xmlns:a16="http://schemas.microsoft.com/office/drawing/2014/main" id="{92202ED8-55EB-88CE-6880-69DA83024406}"/>
+                <a16:creationId xmlns:a16="http://schemas.microsoft.com/office/drawing/2014/main" id="{5BC904AC-9EA2-BBF1-21FD-01B7EB21DAFE}"/>
               </a:ext>
             </a:extLst>
           </p:cNvPr>
@@ -1792,7 +1792,7 @@
           <p:cNvPr id="7" name="日期占位符 6">
             <a:extLst>
               <a:ext uri="{FF2B5EF4-FFF2-40B4-BE49-F238E27FC236}">
-                <a16:creationId xmlns:a16="http://schemas.microsoft.com/office/drawing/2014/main" id="{0FF04293-C8C8-EDCC-E42F-FEF1CAE6A3BB}"/>
+                <a16:creationId xmlns:a16="http://schemas.microsoft.com/office/drawing/2014/main" id="{E7A4B8FF-2344-EFD3-C5C1-FE7F95F6587D}"/>
               </a:ext>
             </a:extLst>
           </p:cNvPr>
@@ -1808,7 +1808,7 @@
           <a:bodyPr/>
           <a:lstStyle/>
           <a:p>
-            <a:fld id="{0C526DD3-9CDB-4EBD-A201-80D56E14C73F}" type="datetimeFigureOut">
+            <a:fld id="{EFB934AC-36EA-4437-A03E-8177146973C7}" type="datetimeFigureOut">
               <a:rPr lang="zh-CN" altLang="en-US" smtClean="0"/>
               <a:t>2024/3/10</a:t>
             </a:fld>
@@ -1821,7 +1821,7 @@
           <p:cNvPr id="8" name="页脚占位符 7">
             <a:extLst>
               <a:ext uri="{FF2B5EF4-FFF2-40B4-BE49-F238E27FC236}">
-                <a16:creationId xmlns:a16="http://schemas.microsoft.com/office/drawing/2014/main" id="{6776D7A6-5BC5-4486-2927-92F0F88F2065}"/>
+                <a16:creationId xmlns:a16="http://schemas.microsoft.com/office/drawing/2014/main" id="{BDBEF89E-C7DB-9F9D-4D27-D22C255D5628}"/>
               </a:ext>
             </a:extLst>
           </p:cNvPr>
@@ -1846,7 +1846,7 @@
           <p:cNvPr id="9" name="灯片编号占位符 8">
             <a:extLst>
               <a:ext uri="{FF2B5EF4-FFF2-40B4-BE49-F238E27FC236}">
-                <a16:creationId xmlns:a16="http://schemas.microsoft.com/office/drawing/2014/main" id="{7491A64C-4D2E-5019-9C0A-DDC9D18B44E3}"/>
+                <a16:creationId xmlns:a16="http://schemas.microsoft.com/office/drawing/2014/main" id="{2331D2DA-7548-9F72-DFD6-0B577DDF94AE}"/>
               </a:ext>
             </a:extLst>
           </p:cNvPr>
@@ -1862,7 +1862,7 @@
           <a:bodyPr/>
           <a:lstStyle/>
           <a:p>
-            <a:fld id="{4CB9E10F-5B26-43F3-A78B-4C492FF4744B}" type="slidenum">
+            <a:fld id="{B987D856-11BD-4934-A58F-4403720B9ABD}" type="slidenum">
               <a:rPr lang="zh-CN" altLang="en-US" smtClean="0"/>
               <a:t>‹#›</a:t>
             </a:fld>
@@ -1873,7 +1873,7 @@
     </p:spTree>
     <p:extLst>
       <p:ext uri="{BB962C8B-B14F-4D97-AF65-F5344CB8AC3E}">
-        <p14:creationId xmlns:p14="http://schemas.microsoft.com/office/powerpoint/2010/main" val="1514143199"/>
+        <p14:creationId xmlns:p14="http://schemas.microsoft.com/office/powerpoint/2010/main" val="2347319798"/>
       </p:ext>
     </p:extLst>
   </p:cSld>
@@ -1905,7 +1905,7 @@
           <p:cNvPr id="2" name="标题 1">
             <a:extLst>
               <a:ext uri="{FF2B5EF4-FFF2-40B4-BE49-F238E27FC236}">
-                <a16:creationId xmlns:a16="http://schemas.microsoft.com/office/drawing/2014/main" id="{92B83EA8-7C2A-D77B-BE50-970C115ABBD5}"/>
+                <a16:creationId xmlns:a16="http://schemas.microsoft.com/office/drawing/2014/main" id="{41090973-F4B9-242A-D55A-8BF5AF79E2C0}"/>
               </a:ext>
             </a:extLst>
           </p:cNvPr>
@@ -1933,7 +1933,7 @@
           <p:cNvPr id="3" name="日期占位符 2">
             <a:extLst>
               <a:ext uri="{FF2B5EF4-FFF2-40B4-BE49-F238E27FC236}">
-                <a16:creationId xmlns:a16="http://schemas.microsoft.com/office/drawing/2014/main" id="{9B8D4E7F-BF9D-5B93-1F48-12BDBEF750D1}"/>
+                <a16:creationId xmlns:a16="http://schemas.microsoft.com/office/drawing/2014/main" id="{9CCF39B0-CBD3-6121-53A4-F5F0ABB2823F}"/>
               </a:ext>
             </a:extLst>
           </p:cNvPr>
@@ -1949,7 +1949,7 @@
           <a:bodyPr/>
           <a:lstStyle/>
           <a:p>
-            <a:fld id="{0C526DD3-9CDB-4EBD-A201-80D56E14C73F}" type="datetimeFigureOut">
+            <a:fld id="{EFB934AC-36EA-4437-A03E-8177146973C7}" type="datetimeFigureOut">
               <a:rPr lang="zh-CN" altLang="en-US" smtClean="0"/>
               <a:t>2024/3/10</a:t>
             </a:fld>
@@ -1962,7 +1962,7 @@
           <p:cNvPr id="4" name="页脚占位符 3">
             <a:extLst>
               <a:ext uri="{FF2B5EF4-FFF2-40B4-BE49-F238E27FC236}">
-                <a16:creationId xmlns:a16="http://schemas.microsoft.com/office/drawing/2014/main" id="{EFC15EC3-3F7C-F2C9-9195-4D243E2F857F}"/>
+                <a16:creationId xmlns:a16="http://schemas.microsoft.com/office/drawing/2014/main" id="{B9CDF88F-3416-CCB7-55C1-E85DFF0B4A40}"/>
               </a:ext>
             </a:extLst>
           </p:cNvPr>
@@ -1987,7 +1987,7 @@
           <p:cNvPr id="5" name="灯片编号占位符 4">
             <a:extLst>
               <a:ext uri="{FF2B5EF4-FFF2-40B4-BE49-F238E27FC236}">
-                <a16:creationId xmlns:a16="http://schemas.microsoft.com/office/drawing/2014/main" id="{E25EA32D-8A3C-B03E-A4F5-FA2649F9ACF3}"/>
+                <a16:creationId xmlns:a16="http://schemas.microsoft.com/office/drawing/2014/main" id="{D1FE832D-6631-3114-428C-2AE90F547926}"/>
               </a:ext>
             </a:extLst>
           </p:cNvPr>
@@ -2003,7 +2003,7 @@
           <a:bodyPr/>
           <a:lstStyle/>
           <a:p>
-            <a:fld id="{4CB9E10F-5B26-43F3-A78B-4C492FF4744B}" type="slidenum">
+            <a:fld id="{B987D856-11BD-4934-A58F-4403720B9ABD}" type="slidenum">
               <a:rPr lang="zh-CN" altLang="en-US" smtClean="0"/>
               <a:t>‹#›</a:t>
             </a:fld>
@@ -2014,7 +2014,7 @@
     </p:spTree>
     <p:extLst>
       <p:ext uri="{BB962C8B-B14F-4D97-AF65-F5344CB8AC3E}">
-        <p14:creationId xmlns:p14="http://schemas.microsoft.com/office/powerpoint/2010/main" val="708788561"/>
+        <p14:creationId xmlns:p14="http://schemas.microsoft.com/office/powerpoint/2010/main" val="1718076777"/>
       </p:ext>
     </p:extLst>
   </p:cSld>
@@ -2046,7 +2046,7 @@
           <p:cNvPr id="2" name="日期占位符 1">
             <a:extLst>
               <a:ext uri="{FF2B5EF4-FFF2-40B4-BE49-F238E27FC236}">
-                <a16:creationId xmlns:a16="http://schemas.microsoft.com/office/drawing/2014/main" id="{A54D8F7F-5AC8-756C-6621-35FF08F1F051}"/>
+                <a16:creationId xmlns:a16="http://schemas.microsoft.com/office/drawing/2014/main" id="{74982D90-32F5-E4E2-D1C4-E84DA8101DA8}"/>
               </a:ext>
             </a:extLst>
           </p:cNvPr>
@@ -2062,7 +2062,7 @@
           <a:bodyPr/>
           <a:lstStyle/>
           <a:p>
-            <a:fld id="{0C526DD3-9CDB-4EBD-A201-80D56E14C73F}" type="datetimeFigureOut">
+            <a:fld id="{EFB934AC-36EA-4437-A03E-8177146973C7}" type="datetimeFigureOut">
               <a:rPr lang="zh-CN" altLang="en-US" smtClean="0"/>
               <a:t>2024/3/10</a:t>
             </a:fld>
@@ -2075,7 +2075,7 @@
           <p:cNvPr id="3" name="页脚占位符 2">
             <a:extLst>
               <a:ext uri="{FF2B5EF4-FFF2-40B4-BE49-F238E27FC236}">
-                <a16:creationId xmlns:a16="http://schemas.microsoft.com/office/drawing/2014/main" id="{4FFD5C8E-CF8C-AB11-7B0D-B01B02E932E1}"/>
+                <a16:creationId xmlns:a16="http://schemas.microsoft.com/office/drawing/2014/main" id="{7D4ABD5B-42D0-F5A9-7511-9A9535132B6D}"/>
               </a:ext>
             </a:extLst>
           </p:cNvPr>
@@ -2100,7 +2100,7 @@
           <p:cNvPr id="4" name="灯片编号占位符 3">
             <a:extLst>
               <a:ext uri="{FF2B5EF4-FFF2-40B4-BE49-F238E27FC236}">
-                <a16:creationId xmlns:a16="http://schemas.microsoft.com/office/drawing/2014/main" id="{5C9E035F-6822-B563-C6D8-429DCA6B3122}"/>
+                <a16:creationId xmlns:a16="http://schemas.microsoft.com/office/drawing/2014/main" id="{D32D81E2-5832-39C1-59F8-31AEE742AD99}"/>
               </a:ext>
             </a:extLst>
           </p:cNvPr>
@@ -2116,7 +2116,7 @@
           <a:bodyPr/>
           <a:lstStyle/>
           <a:p>
-            <a:fld id="{4CB9E10F-5B26-43F3-A78B-4C492FF4744B}" type="slidenum">
+            <a:fld id="{B987D856-11BD-4934-A58F-4403720B9ABD}" type="slidenum">
               <a:rPr lang="zh-CN" altLang="en-US" smtClean="0"/>
               <a:t>‹#›</a:t>
             </a:fld>
@@ -2127,7 +2127,7 @@
     </p:spTree>
     <p:extLst>
       <p:ext uri="{BB962C8B-B14F-4D97-AF65-F5344CB8AC3E}">
-        <p14:creationId xmlns:p14="http://schemas.microsoft.com/office/powerpoint/2010/main" val="3732889458"/>
+        <p14:creationId xmlns:p14="http://schemas.microsoft.com/office/powerpoint/2010/main" val="3115385544"/>
       </p:ext>
     </p:extLst>
   </p:cSld>
@@ -2159,7 +2159,7 @@
           <p:cNvPr id="2" name="标题 1">
             <a:extLst>
               <a:ext uri="{FF2B5EF4-FFF2-40B4-BE49-F238E27FC236}">
-                <a16:creationId xmlns:a16="http://schemas.microsoft.com/office/drawing/2014/main" id="{E74A44D6-AFCF-F14E-5EA8-AFB07C45E649}"/>
+                <a16:creationId xmlns:a16="http://schemas.microsoft.com/office/drawing/2014/main" id="{3CACE144-8376-D813-771E-20571B456F62}"/>
               </a:ext>
             </a:extLst>
           </p:cNvPr>
@@ -2196,7 +2196,7 @@
           <p:cNvPr id="3" name="内容占位符 2">
             <a:extLst>
               <a:ext uri="{FF2B5EF4-FFF2-40B4-BE49-F238E27FC236}">
-                <a16:creationId xmlns:a16="http://schemas.microsoft.com/office/drawing/2014/main" id="{F4E7DCE9-D736-56B6-CF4D-69AA2E451B0D}"/>
+                <a16:creationId xmlns:a16="http://schemas.microsoft.com/office/drawing/2014/main" id="{7710475B-DB62-A4AB-135B-505663DD14CE}"/>
               </a:ext>
             </a:extLst>
           </p:cNvPr>
@@ -2286,7 +2286,7 @@
           <p:cNvPr id="4" name="文本占位符 3">
             <a:extLst>
               <a:ext uri="{FF2B5EF4-FFF2-40B4-BE49-F238E27FC236}">
-                <a16:creationId xmlns:a16="http://schemas.microsoft.com/office/drawing/2014/main" id="{C3C2FEB8-544D-274D-DC11-4EBFC1DE510E}"/>
+                <a16:creationId xmlns:a16="http://schemas.microsoft.com/office/drawing/2014/main" id="{7BDF312C-5544-AA55-6C30-349607FE90BB}"/>
               </a:ext>
             </a:extLst>
           </p:cNvPr>
@@ -2357,7 +2357,7 @@
           <p:cNvPr id="5" name="日期占位符 4">
             <a:extLst>
               <a:ext uri="{FF2B5EF4-FFF2-40B4-BE49-F238E27FC236}">
-                <a16:creationId xmlns:a16="http://schemas.microsoft.com/office/drawing/2014/main" id="{6DEC942E-C767-3E4D-3726-0D952944EFBA}"/>
+                <a16:creationId xmlns:a16="http://schemas.microsoft.com/office/drawing/2014/main" id="{2974CB6E-78CA-3640-29E7-97A02F01F1A7}"/>
               </a:ext>
             </a:extLst>
           </p:cNvPr>
@@ -2373,7 +2373,7 @@
           <a:bodyPr/>
           <a:lstStyle/>
           <a:p>
-            <a:fld id="{0C526DD3-9CDB-4EBD-A201-80D56E14C73F}" type="datetimeFigureOut">
+            <a:fld id="{EFB934AC-36EA-4437-A03E-8177146973C7}" type="datetimeFigureOut">
               <a:rPr lang="zh-CN" altLang="en-US" smtClean="0"/>
               <a:t>2024/3/10</a:t>
             </a:fld>
@@ -2386,7 +2386,7 @@
           <p:cNvPr id="6" name="页脚占位符 5">
             <a:extLst>
               <a:ext uri="{FF2B5EF4-FFF2-40B4-BE49-F238E27FC236}">
-                <a16:creationId xmlns:a16="http://schemas.microsoft.com/office/drawing/2014/main" id="{B9FB88AF-5DBA-39D1-8081-F7F153AC2F3B}"/>
+                <a16:creationId xmlns:a16="http://schemas.microsoft.com/office/drawing/2014/main" id="{2B862355-7DEC-1260-1F1F-FE51D530838C}"/>
               </a:ext>
             </a:extLst>
           </p:cNvPr>
@@ -2411,7 +2411,7 @@
           <p:cNvPr id="7" name="灯片编号占位符 6">
             <a:extLst>
               <a:ext uri="{FF2B5EF4-FFF2-40B4-BE49-F238E27FC236}">
-                <a16:creationId xmlns:a16="http://schemas.microsoft.com/office/drawing/2014/main" id="{DD2EDF1B-47C3-C0BE-9760-F4756E35E06D}"/>
+                <a16:creationId xmlns:a16="http://schemas.microsoft.com/office/drawing/2014/main" id="{4F3CF974-7319-D193-5C54-A449082EBAF6}"/>
               </a:ext>
             </a:extLst>
           </p:cNvPr>
@@ -2427,7 +2427,7 @@
           <a:bodyPr/>
           <a:lstStyle/>
           <a:p>
-            <a:fld id="{4CB9E10F-5B26-43F3-A78B-4C492FF4744B}" type="slidenum">
+            <a:fld id="{B987D856-11BD-4934-A58F-4403720B9ABD}" type="slidenum">
               <a:rPr lang="zh-CN" altLang="en-US" smtClean="0"/>
               <a:t>‹#›</a:t>
             </a:fld>
@@ -2438,7 +2438,7 @@
     </p:spTree>
     <p:extLst>
       <p:ext uri="{BB962C8B-B14F-4D97-AF65-F5344CB8AC3E}">
-        <p14:creationId xmlns:p14="http://schemas.microsoft.com/office/powerpoint/2010/main" val="1619692833"/>
+        <p14:creationId xmlns:p14="http://schemas.microsoft.com/office/powerpoint/2010/main" val="55687172"/>
       </p:ext>
     </p:extLst>
   </p:cSld>
@@ -2470,7 +2470,7 @@
           <p:cNvPr id="2" name="标题 1">
             <a:extLst>
               <a:ext uri="{FF2B5EF4-FFF2-40B4-BE49-F238E27FC236}">
-                <a16:creationId xmlns:a16="http://schemas.microsoft.com/office/drawing/2014/main" id="{84EF74A6-21C4-D27A-9911-0846964BFB65}"/>
+                <a16:creationId xmlns:a16="http://schemas.microsoft.com/office/drawing/2014/main" id="{EC8AA683-DD7A-0422-3256-4A7E773ED01F}"/>
               </a:ext>
             </a:extLst>
           </p:cNvPr>
@@ -2507,7 +2507,7 @@
           <p:cNvPr id="3" name="图片占位符 2">
             <a:extLst>
               <a:ext uri="{FF2B5EF4-FFF2-40B4-BE49-F238E27FC236}">
-                <a16:creationId xmlns:a16="http://schemas.microsoft.com/office/drawing/2014/main" id="{34D89FB7-15A2-6B33-B479-63490941F3DA}"/>
+                <a16:creationId xmlns:a16="http://schemas.microsoft.com/office/drawing/2014/main" id="{7D31667C-4213-165B-1C84-6E80174DE580}"/>
               </a:ext>
             </a:extLst>
           </p:cNvPr>
@@ -2574,7 +2574,7 @@
           <p:cNvPr id="4" name="文本占位符 3">
             <a:extLst>
               <a:ext uri="{FF2B5EF4-FFF2-40B4-BE49-F238E27FC236}">
-                <a16:creationId xmlns:a16="http://schemas.microsoft.com/office/drawing/2014/main" id="{0787220D-AE7E-1122-7456-63E3A9529891}"/>
+                <a16:creationId xmlns:a16="http://schemas.microsoft.com/office/drawing/2014/main" id="{1F7DE1F6-7B11-FB2E-9B04-22A8DE9BDF8C}"/>
               </a:ext>
             </a:extLst>
           </p:cNvPr>
@@ -2645,7 +2645,7 @@
           <p:cNvPr id="5" name="日期占位符 4">
             <a:extLst>
               <a:ext uri="{FF2B5EF4-FFF2-40B4-BE49-F238E27FC236}">
-                <a16:creationId xmlns:a16="http://schemas.microsoft.com/office/drawing/2014/main" id="{71F4E8EC-D176-BBB5-0438-CF2796D27E0A}"/>
+                <a16:creationId xmlns:a16="http://schemas.microsoft.com/office/drawing/2014/main" id="{EDE5E939-D6E5-CEBD-C9DD-FC82D7252FB6}"/>
               </a:ext>
             </a:extLst>
           </p:cNvPr>
@@ -2661,7 +2661,7 @@
           <a:bodyPr/>
           <a:lstStyle/>
           <a:p>
-            <a:fld id="{0C526DD3-9CDB-4EBD-A201-80D56E14C73F}" type="datetimeFigureOut">
+            <a:fld id="{EFB934AC-36EA-4437-A03E-8177146973C7}" type="datetimeFigureOut">
               <a:rPr lang="zh-CN" altLang="en-US" smtClean="0"/>
               <a:t>2024/3/10</a:t>
             </a:fld>
@@ -2674,7 +2674,7 @@
           <p:cNvPr id="6" name="页脚占位符 5">
             <a:extLst>
               <a:ext uri="{FF2B5EF4-FFF2-40B4-BE49-F238E27FC236}">
-                <a16:creationId xmlns:a16="http://schemas.microsoft.com/office/drawing/2014/main" id="{084F9DD2-D045-66AA-5D08-51D2EA45C41A}"/>
+                <a16:creationId xmlns:a16="http://schemas.microsoft.com/office/drawing/2014/main" id="{C38B96D5-1A8E-4C4B-C3EA-70968061B667}"/>
               </a:ext>
             </a:extLst>
           </p:cNvPr>
@@ -2699,7 +2699,7 @@
           <p:cNvPr id="7" name="灯片编号占位符 6">
             <a:extLst>
               <a:ext uri="{FF2B5EF4-FFF2-40B4-BE49-F238E27FC236}">
-                <a16:creationId xmlns:a16="http://schemas.microsoft.com/office/drawing/2014/main" id="{2E335D6F-FB8D-E21D-5380-974397E46D9E}"/>
+                <a16:creationId xmlns:a16="http://schemas.microsoft.com/office/drawing/2014/main" id="{355E5919-5B25-3DA3-71E7-115C0A16608B}"/>
               </a:ext>
             </a:extLst>
           </p:cNvPr>
@@ -2715,7 +2715,7 @@
           <a:bodyPr/>
           <a:lstStyle/>
           <a:p>
-            <a:fld id="{4CB9E10F-5B26-43F3-A78B-4C492FF4744B}" type="slidenum">
+            <a:fld id="{B987D856-11BD-4934-A58F-4403720B9ABD}" type="slidenum">
               <a:rPr lang="zh-CN" altLang="en-US" smtClean="0"/>
               <a:t>‹#›</a:t>
             </a:fld>
@@ -2726,7 +2726,7 @@
     </p:spTree>
     <p:extLst>
       <p:ext uri="{BB962C8B-B14F-4D97-AF65-F5344CB8AC3E}">
-        <p14:creationId xmlns:p14="http://schemas.microsoft.com/office/powerpoint/2010/main" val="3462934738"/>
+        <p14:creationId xmlns:p14="http://schemas.microsoft.com/office/powerpoint/2010/main" val="689293440"/>
       </p:ext>
     </p:extLst>
   </p:cSld>
@@ -2763,7 +2763,7 @@
           <p:cNvPr id="2" name="标题占位符 1">
             <a:extLst>
               <a:ext uri="{FF2B5EF4-FFF2-40B4-BE49-F238E27FC236}">
-                <a16:creationId xmlns:a16="http://schemas.microsoft.com/office/drawing/2014/main" id="{E4AC5E82-6C9F-CF8A-D56A-CB33962C2D70}"/>
+                <a16:creationId xmlns:a16="http://schemas.microsoft.com/office/drawing/2014/main" id="{FEBD0AD2-8032-3373-A2D2-35C6A535B6AB}"/>
               </a:ext>
             </a:extLst>
           </p:cNvPr>
@@ -2801,7 +2801,7 @@
           <p:cNvPr id="3" name="文本占位符 2">
             <a:extLst>
               <a:ext uri="{FF2B5EF4-FFF2-40B4-BE49-F238E27FC236}">
-                <a16:creationId xmlns:a16="http://schemas.microsoft.com/office/drawing/2014/main" id="{A475362D-AE4B-1A15-A013-971F115CB825}"/>
+                <a16:creationId xmlns:a16="http://schemas.microsoft.com/office/drawing/2014/main" id="{A131652A-9577-BA8F-7F9C-11CCB65DC084}"/>
               </a:ext>
             </a:extLst>
           </p:cNvPr>
@@ -2868,7 +2868,7 @@
           <p:cNvPr id="4" name="日期占位符 3">
             <a:extLst>
               <a:ext uri="{FF2B5EF4-FFF2-40B4-BE49-F238E27FC236}">
-                <a16:creationId xmlns:a16="http://schemas.microsoft.com/office/drawing/2014/main" id="{41ED72B1-B5F3-9B00-EBEA-9F25B316F808}"/>
+                <a16:creationId xmlns:a16="http://schemas.microsoft.com/office/drawing/2014/main" id="{14EDE77C-3038-F0CB-5408-B01CDF369606}"/>
               </a:ext>
             </a:extLst>
           </p:cNvPr>
@@ -2902,7 +2902,7 @@
             </a:lvl1pPr>
           </a:lstStyle>
           <a:p>
-            <a:fld id="{0C526DD3-9CDB-4EBD-A201-80D56E14C73F}" type="datetimeFigureOut">
+            <a:fld id="{EFB934AC-36EA-4437-A03E-8177146973C7}" type="datetimeFigureOut">
               <a:rPr lang="zh-CN" altLang="en-US" smtClean="0"/>
               <a:t>2024/3/10</a:t>
             </a:fld>
@@ -2915,7 +2915,7 @@
           <p:cNvPr id="5" name="页脚占位符 4">
             <a:extLst>
               <a:ext uri="{FF2B5EF4-FFF2-40B4-BE49-F238E27FC236}">
-                <a16:creationId xmlns:a16="http://schemas.microsoft.com/office/drawing/2014/main" id="{AEBC0BB8-C377-A0E6-5DF1-173919645905}"/>
+                <a16:creationId xmlns:a16="http://schemas.microsoft.com/office/drawing/2014/main" id="{BF10ADA4-A9C6-26D4-F8D3-F6F70B2DA7BC}"/>
               </a:ext>
             </a:extLst>
           </p:cNvPr>
@@ -2958,7 +2958,7 @@
           <p:cNvPr id="6" name="灯片编号占位符 5">
             <a:extLst>
               <a:ext uri="{FF2B5EF4-FFF2-40B4-BE49-F238E27FC236}">
-                <a16:creationId xmlns:a16="http://schemas.microsoft.com/office/drawing/2014/main" id="{33433D84-F03A-A2B4-13D8-8B0FEA8D305E}"/>
+                <a16:creationId xmlns:a16="http://schemas.microsoft.com/office/drawing/2014/main" id="{BC0FAD3A-1B53-E8A3-0D16-4FD960D50514}"/>
               </a:ext>
             </a:extLst>
           </p:cNvPr>
@@ -2992,7 +2992,7 @@
             </a:lvl1pPr>
           </a:lstStyle>
           <a:p>
-            <a:fld id="{4CB9E10F-5B26-43F3-A78B-4C492FF4744B}" type="slidenum">
+            <a:fld id="{B987D856-11BD-4934-A58F-4403720B9ABD}" type="slidenum">
               <a:rPr lang="zh-CN" altLang="en-US" smtClean="0"/>
               <a:t>‹#›</a:t>
             </a:fld>
@@ -3003,7 +3003,7 @@
     </p:spTree>
     <p:extLst>
       <p:ext uri="{BB962C8B-B14F-4D97-AF65-F5344CB8AC3E}">
-        <p14:creationId xmlns:p14="http://schemas.microsoft.com/office/powerpoint/2010/main" val="772962975"/>
+        <p14:creationId xmlns:p14="http://schemas.microsoft.com/office/powerpoint/2010/main" val="1710364747"/>
       </p:ext>
     </p:extLst>
   </p:cSld>
@@ -3323,7 +3323,7 @@
       </p:grpSpPr>
       <p:pic>
         <p:nvPicPr>
-          <p:cNvPr id="1397762" name="Picture 2" descr="1364"/>
+          <p:cNvPr id="1398786" name="Picture 2" descr="1365"/>
           <p:cNvPicPr>
             <a:picLocks noChangeAspect="1" noChangeArrowheads="1"/>
           </p:cNvPicPr>
@@ -3344,8 +3344,8 @@
         </p:blipFill>
         <p:spPr bwMode="auto">
           <a:xfrm>
-            <a:off x="1524000" y="1"/>
-            <a:ext cx="9144000" cy="4797425"/>
+            <a:off x="1524000" y="0"/>
+            <a:ext cx="9144000" cy="6597650"/>
           </a:xfrm>
           <a:prstGeom prst="rect">
             <a:avLst/>
